--- a/FinalProject.pptx
+++ b/FinalProject.pptx
@@ -5,10 +5,10 @@
     <p:sldMasterId id="2147483648" r:id="rId4"/>
   </p:sldMasterIdLst>
   <p:notesMasterIdLst>
-    <p:notesMasterId r:id="rId15"/>
+    <p:notesMasterId r:id="rId16"/>
   </p:notesMasterIdLst>
   <p:handoutMasterIdLst>
-    <p:handoutMasterId r:id="rId16"/>
+    <p:handoutMasterId r:id="rId17"/>
   </p:handoutMasterIdLst>
   <p:sldIdLst>
     <p:sldId id="256" r:id="rId5"/>
@@ -16,11 +16,12 @@
     <p:sldId id="277" r:id="rId7"/>
     <p:sldId id="265" r:id="rId8"/>
     <p:sldId id="268" r:id="rId9"/>
-    <p:sldId id="269" r:id="rId10"/>
-    <p:sldId id="274" r:id="rId11"/>
-    <p:sldId id="271" r:id="rId12"/>
-    <p:sldId id="273" r:id="rId13"/>
-    <p:sldId id="276" r:id="rId14"/>
+    <p:sldId id="278" r:id="rId10"/>
+    <p:sldId id="269" r:id="rId11"/>
+    <p:sldId id="274" r:id="rId12"/>
+    <p:sldId id="271" r:id="rId13"/>
+    <p:sldId id="273" r:id="rId14"/>
+    <p:sldId id="276" r:id="rId15"/>
   </p:sldIdLst>
   <p:sldSz cx="12192000" cy="6858000"/>
   <p:notesSz cx="6858000" cy="9144000"/>
@@ -237,7 +238,7 @@
             <a:pPr rtl="0"/>
             <a:fld id="{1A866759-106D-4B6C-A223-7E09B7350D44}" type="datetime1">
               <a:rPr lang="en-GB" smtClean="0"/>
-              <a:t>22/06/2020</a:t>
+              <a:t>29/06/2020</a:t>
             </a:fld>
             <a:endParaRPr lang="en-GB"/>
           </a:p>
@@ -419,7 +420,7 @@
             <a:fld id="{AF1A1009-58D9-464E-97A0-4CC1E93CBDB0}" type="datetime1">
               <a:rPr lang="en-GB" noProof="0" smtClean="0"/>
               <a:pPr/>
-              <a:t>22/06/2020</a:t>
+              <a:t>29/06/2020</a:t>
             </a:fld>
             <a:endParaRPr lang="en-GB" noProof="0"/>
           </a:p>
@@ -14318,212 +14319,6 @@
           </a:p>
         </p:txBody>
       </p:sp>
-      <p:sp>
-        <p:nvSpPr>
-          <p:cNvPr id="6" name="Text Placeholder 2">
-            <a:extLst>
-              <a:ext uri="{FF2B5EF4-FFF2-40B4-BE49-F238E27FC236}">
-                <a16:creationId xmlns:a16="http://schemas.microsoft.com/office/drawing/2014/main" id="{9AFAE50F-31FA-478E-9750-717AA7A38D2D}"/>
-              </a:ext>
-            </a:extLst>
-          </p:cNvPr>
-          <p:cNvSpPr txBox="1">
-            <a:spLocks/>
-          </p:cNvSpPr>
-          <p:nvPr/>
-        </p:nvSpPr>
-        <p:spPr>
-          <a:xfrm>
-            <a:off x="0" y="6307587"/>
-            <a:ext cx="3693111" cy="550413"/>
-          </a:xfrm>
-          <a:prstGeom prst="rect">
-            <a:avLst/>
-          </a:prstGeom>
-        </p:spPr>
-        <p:txBody>
-          <a:bodyPr vert="horz" lIns="91440" tIns="45720" rIns="91440" bIns="45720" rtlCol="0">
-            <a:noAutofit/>
-          </a:bodyPr>
-          <a:lstStyle>
-            <a:lvl1pPr marL="0" indent="0" algn="l" defTabSz="914400" rtl="0" eaLnBrk="1" latinLnBrk="0" hangingPunct="1">
-              <a:lnSpc>
-                <a:spcPct val="90000"/>
-              </a:lnSpc>
-              <a:spcBef>
-                <a:spcPts val="1000"/>
-              </a:spcBef>
-              <a:buFont typeface="Arial" panose="020B0604020202020204" pitchFamily="34" charset="0"/>
-              <a:buNone/>
-              <a:defRPr sz="3500" b="0" i="0" kern="1200">
-                <a:solidFill>
-                  <a:schemeClr val="tx2"/>
-                </a:solidFill>
-                <a:latin typeface="+mn-lt"/>
-                <a:ea typeface="+mn-ea"/>
-                <a:cs typeface="+mn-cs"/>
-              </a:defRPr>
-            </a:lvl1pPr>
-            <a:lvl2pPr marL="685800" indent="-228600" algn="l" defTabSz="914400" rtl="0" eaLnBrk="1" latinLnBrk="0" hangingPunct="1">
-              <a:lnSpc>
-                <a:spcPct val="90000"/>
-              </a:lnSpc>
-              <a:spcBef>
-                <a:spcPts val="500"/>
-              </a:spcBef>
-              <a:buFont typeface="Arial" panose="020B0604020202020204" pitchFamily="34" charset="0"/>
-              <a:buChar char="•"/>
-              <a:defRPr sz="2400" kern="1200">
-                <a:solidFill>
-                  <a:schemeClr val="tx2"/>
-                </a:solidFill>
-                <a:latin typeface="+mn-lt"/>
-                <a:ea typeface="+mn-ea"/>
-                <a:cs typeface="+mn-cs"/>
-              </a:defRPr>
-            </a:lvl2pPr>
-            <a:lvl3pPr marL="1143000" indent="-228600" algn="l" defTabSz="914400" rtl="0" eaLnBrk="1" latinLnBrk="0" hangingPunct="1">
-              <a:lnSpc>
-                <a:spcPct val="90000"/>
-              </a:lnSpc>
-              <a:spcBef>
-                <a:spcPts val="500"/>
-              </a:spcBef>
-              <a:buFont typeface="Arial" panose="020B0604020202020204" pitchFamily="34" charset="0"/>
-              <a:buChar char="•"/>
-              <a:defRPr sz="2000" kern="1200">
-                <a:solidFill>
-                  <a:schemeClr val="tx2"/>
-                </a:solidFill>
-                <a:latin typeface="+mn-lt"/>
-                <a:ea typeface="+mn-ea"/>
-                <a:cs typeface="+mn-cs"/>
-              </a:defRPr>
-            </a:lvl3pPr>
-            <a:lvl4pPr marL="1600200" indent="-228600" algn="l" defTabSz="914400" rtl="0" eaLnBrk="1" latinLnBrk="0" hangingPunct="1">
-              <a:lnSpc>
-                <a:spcPct val="90000"/>
-              </a:lnSpc>
-              <a:spcBef>
-                <a:spcPts val="500"/>
-              </a:spcBef>
-              <a:buFont typeface="Arial" panose="020B0604020202020204" pitchFamily="34" charset="0"/>
-              <a:buChar char="•"/>
-              <a:defRPr sz="1800" kern="1200">
-                <a:solidFill>
-                  <a:schemeClr val="tx2"/>
-                </a:solidFill>
-                <a:latin typeface="+mn-lt"/>
-                <a:ea typeface="+mn-ea"/>
-                <a:cs typeface="+mn-cs"/>
-              </a:defRPr>
-            </a:lvl4pPr>
-            <a:lvl5pPr marL="2057400" indent="-228600" algn="l" defTabSz="914400" rtl="0" eaLnBrk="1" latinLnBrk="0" hangingPunct="1">
-              <a:lnSpc>
-                <a:spcPct val="90000"/>
-              </a:lnSpc>
-              <a:spcBef>
-                <a:spcPts val="500"/>
-              </a:spcBef>
-              <a:buFont typeface="Arial" panose="020B0604020202020204" pitchFamily="34" charset="0"/>
-              <a:buChar char="•"/>
-              <a:defRPr sz="1800" kern="1200">
-                <a:solidFill>
-                  <a:schemeClr val="tx2"/>
-                </a:solidFill>
-                <a:latin typeface="+mn-lt"/>
-                <a:ea typeface="+mn-ea"/>
-                <a:cs typeface="+mn-cs"/>
-              </a:defRPr>
-            </a:lvl5pPr>
-            <a:lvl6pPr marL="2514600" indent="-228600" algn="l" defTabSz="914400" rtl="0" eaLnBrk="1" latinLnBrk="0" hangingPunct="1">
-              <a:lnSpc>
-                <a:spcPct val="90000"/>
-              </a:lnSpc>
-              <a:spcBef>
-                <a:spcPts val="500"/>
-              </a:spcBef>
-              <a:buFont typeface="Arial" panose="020B0604020202020204" pitchFamily="34" charset="0"/>
-              <a:buChar char="•"/>
-              <a:defRPr sz="1800" kern="1200">
-                <a:solidFill>
-                  <a:schemeClr val="tx1"/>
-                </a:solidFill>
-                <a:latin typeface="+mn-lt"/>
-                <a:ea typeface="+mn-ea"/>
-                <a:cs typeface="+mn-cs"/>
-              </a:defRPr>
-            </a:lvl6pPr>
-            <a:lvl7pPr marL="2971800" indent="-228600" algn="l" defTabSz="914400" rtl="0" eaLnBrk="1" latinLnBrk="0" hangingPunct="1">
-              <a:lnSpc>
-                <a:spcPct val="90000"/>
-              </a:lnSpc>
-              <a:spcBef>
-                <a:spcPts val="500"/>
-              </a:spcBef>
-              <a:buFont typeface="Arial" panose="020B0604020202020204" pitchFamily="34" charset="0"/>
-              <a:buChar char="•"/>
-              <a:defRPr sz="1800" kern="1200">
-                <a:solidFill>
-                  <a:schemeClr val="tx1"/>
-                </a:solidFill>
-                <a:latin typeface="+mn-lt"/>
-                <a:ea typeface="+mn-ea"/>
-                <a:cs typeface="+mn-cs"/>
-              </a:defRPr>
-            </a:lvl7pPr>
-            <a:lvl8pPr marL="3429000" indent="-228600" algn="l" defTabSz="914400" rtl="0" eaLnBrk="1" latinLnBrk="0" hangingPunct="1">
-              <a:lnSpc>
-                <a:spcPct val="90000"/>
-              </a:lnSpc>
-              <a:spcBef>
-                <a:spcPts val="500"/>
-              </a:spcBef>
-              <a:buFont typeface="Arial" panose="020B0604020202020204" pitchFamily="34" charset="0"/>
-              <a:buChar char="•"/>
-              <a:defRPr sz="1800" kern="1200">
-                <a:solidFill>
-                  <a:schemeClr val="tx1"/>
-                </a:solidFill>
-                <a:latin typeface="+mn-lt"/>
-                <a:ea typeface="+mn-ea"/>
-                <a:cs typeface="+mn-cs"/>
-              </a:defRPr>
-            </a:lvl8pPr>
-            <a:lvl9pPr marL="3886200" indent="-228600" algn="l" defTabSz="914400" rtl="0" eaLnBrk="1" latinLnBrk="0" hangingPunct="1">
-              <a:lnSpc>
-                <a:spcPct val="90000"/>
-              </a:lnSpc>
-              <a:spcBef>
-                <a:spcPts val="500"/>
-              </a:spcBef>
-              <a:buFont typeface="Arial" panose="020B0604020202020204" pitchFamily="34" charset="0"/>
-              <a:buChar char="•"/>
-              <a:defRPr sz="1800" kern="1200">
-                <a:solidFill>
-                  <a:schemeClr val="tx1"/>
-                </a:solidFill>
-                <a:latin typeface="+mn-lt"/>
-                <a:ea typeface="+mn-ea"/>
-                <a:cs typeface="+mn-cs"/>
-              </a:defRPr>
-            </a:lvl9pPr>
-          </a:lstStyle>
-          <a:p>
-            <a:r>
-              <a:rPr lang="en-GB" sz="2800" dirty="0">
-                <a:solidFill>
-                  <a:schemeClr val="bg1">
-                    <a:lumMod val="75000"/>
-                  </a:schemeClr>
-                </a:solidFill>
-                <a:latin typeface="Consolas" panose="020B0609020204030204" pitchFamily="49" charset="0"/>
-              </a:rPr>
-              <a:t>By-Vihar Devalla</a:t>
-            </a:r>
-          </a:p>
-        </p:txBody>
-      </p:sp>
     </p:spTree>
     <p:extLst>
       <p:ext uri="{BB962C8B-B14F-4D97-AF65-F5344CB8AC3E}">
@@ -14556,6 +14351,282 @@
       </p:grpSpPr>
       <p:pic>
         <p:nvPicPr>
+          <p:cNvPr id="8" name="Picture 7">
+            <a:extLst>
+              <a:ext uri="{FF2B5EF4-FFF2-40B4-BE49-F238E27FC236}">
+                <a16:creationId xmlns:a16="http://schemas.microsoft.com/office/drawing/2014/main" id="{1113FDE0-2654-4440-B52E-8B36C9AAEACC}"/>
+              </a:ext>
+            </a:extLst>
+          </p:cNvPr>
+          <p:cNvPicPr>
+            <a:picLocks noChangeAspect="1"/>
+          </p:cNvPicPr>
+          <p:nvPr/>
+        </p:nvPicPr>
+        <p:blipFill>
+          <a:blip r:embed="rId2">
+            <a:biLevel thresh="25000"/>
+          </a:blip>
+          <a:stretch>
+            <a:fillRect/>
+          </a:stretch>
+        </p:blipFill>
+        <p:spPr>
+          <a:xfrm>
+            <a:off x="10929054" y="6036331"/>
+            <a:ext cx="350550" cy="297206"/>
+          </a:xfrm>
+          <a:prstGeom prst="rect">
+            <a:avLst/>
+          </a:prstGeom>
+        </p:spPr>
+      </p:pic>
+      <p:sp>
+        <p:nvSpPr>
+          <p:cNvPr id="2" name="Slide Number Placeholder 1">
+            <a:extLst>
+              <a:ext uri="{FF2B5EF4-FFF2-40B4-BE49-F238E27FC236}">
+                <a16:creationId xmlns:a16="http://schemas.microsoft.com/office/drawing/2014/main" id="{3A19E95A-5171-4332-8196-5E35913833BF}"/>
+              </a:ext>
+            </a:extLst>
+          </p:cNvPr>
+          <p:cNvSpPr>
+            <a:spLocks noGrp="1"/>
+          </p:cNvSpPr>
+          <p:nvPr>
+            <p:ph type="sldNum" sz="quarter" idx="10"/>
+          </p:nvPr>
+        </p:nvSpPr>
+        <p:spPr/>
+        <p:txBody>
+          <a:bodyPr/>
+          <a:lstStyle/>
+          <a:p>
+            <a:pPr rtl="0"/>
+            <a:fld id="{D495E168-DA5E-4888-8D8A-92B118324C14}" type="slidenum">
+              <a:rPr lang="en-GB" noProof="0" smtClean="0">
+                <a:solidFill>
+                  <a:schemeClr val="tx1"/>
+                </a:solidFill>
+              </a:rPr>
+              <a:pPr rtl="0"/>
+              <a:t>10</a:t>
+            </a:fld>
+            <a:endParaRPr lang="en-GB" noProof="0" dirty="0">
+              <a:solidFill>
+                <a:schemeClr val="tx1"/>
+              </a:solidFill>
+            </a:endParaRPr>
+          </a:p>
+        </p:txBody>
+      </p:sp>
+      <p:sp>
+        <p:nvSpPr>
+          <p:cNvPr id="6" name="Title 4">
+            <a:extLst>
+              <a:ext uri="{FF2B5EF4-FFF2-40B4-BE49-F238E27FC236}">
+                <a16:creationId xmlns:a16="http://schemas.microsoft.com/office/drawing/2014/main" id="{DED289BB-E164-44AF-867C-3E354B3DB408}"/>
+              </a:ext>
+            </a:extLst>
+          </p:cNvPr>
+          <p:cNvSpPr>
+            <a:spLocks noGrp="1"/>
+          </p:cNvSpPr>
+          <p:nvPr>
+            <p:ph type="title"/>
+          </p:nvPr>
+        </p:nvSpPr>
+        <p:spPr>
+          <a:xfrm>
+            <a:off x="350455" y="333180"/>
+            <a:ext cx="5056083" cy="782638"/>
+          </a:xfrm>
+        </p:spPr>
+        <p:txBody>
+          <a:bodyPr>
+            <a:normAutofit/>
+          </a:bodyPr>
+          <a:lstStyle/>
+          <a:p>
+            <a:pPr algn="l"/>
+            <a:r>
+              <a:rPr lang="en-US" dirty="0"/>
+              <a:t>Usages</a:t>
+            </a:r>
+          </a:p>
+        </p:txBody>
+      </p:sp>
+      <p:sp>
+        <p:nvSpPr>
+          <p:cNvPr id="7" name="Rectangle 6">
+            <a:extLst>
+              <a:ext uri="{FF2B5EF4-FFF2-40B4-BE49-F238E27FC236}">
+                <a16:creationId xmlns:a16="http://schemas.microsoft.com/office/drawing/2014/main" id="{9009F682-6556-405B-890E-E6D6E88072B4}"/>
+              </a:ext>
+            </a:extLst>
+          </p:cNvPr>
+          <p:cNvSpPr/>
+          <p:nvPr/>
+        </p:nvSpPr>
+        <p:spPr>
+          <a:xfrm>
+            <a:off x="1669002" y="1536174"/>
+            <a:ext cx="9188388" cy="6051913"/>
+          </a:xfrm>
+          <a:prstGeom prst="rect">
+            <a:avLst/>
+          </a:prstGeom>
+        </p:spPr>
+        <p:txBody>
+          <a:bodyPr vert="horz" lIns="91440" tIns="45720" rIns="91440" bIns="45720" rtlCol="0">
+            <a:normAutofit/>
+          </a:bodyPr>
+          <a:lstStyle/>
+          <a:p>
+            <a:pPr>
+              <a:lnSpc>
+                <a:spcPct val="90000"/>
+              </a:lnSpc>
+              <a:spcBef>
+                <a:spcPts val="1000"/>
+              </a:spcBef>
+            </a:pPr>
+            <a:r>
+              <a:rPr lang="en-US" sz="3200" dirty="0">
+                <a:solidFill>
+                  <a:schemeClr val="tx2"/>
+                </a:solidFill>
+                <a:latin typeface="Calibri" panose="020F0502020204030204" pitchFamily="34" charset="0"/>
+                <a:cs typeface="Calibri" panose="020F0502020204030204" pitchFamily="34" charset="0"/>
+              </a:rPr>
+              <a:t>Could be used in social media platforms like WhatsApp and Facebook where fake news is notoriously rampant.</a:t>
+            </a:r>
+          </a:p>
+          <a:p>
+            <a:pPr>
+              <a:lnSpc>
+                <a:spcPct val="90000"/>
+              </a:lnSpc>
+              <a:spcBef>
+                <a:spcPts val="1000"/>
+              </a:spcBef>
+            </a:pPr>
+            <a:endParaRPr lang="en-US" sz="3200" dirty="0">
+              <a:solidFill>
+                <a:schemeClr val="tx2"/>
+              </a:solidFill>
+              <a:latin typeface="Calibri" panose="020F0502020204030204" pitchFamily="34" charset="0"/>
+              <a:cs typeface="Calibri" panose="020F0502020204030204" pitchFamily="34" charset="0"/>
+            </a:endParaRPr>
+          </a:p>
+          <a:p>
+            <a:pPr>
+              <a:lnSpc>
+                <a:spcPct val="90000"/>
+              </a:lnSpc>
+              <a:spcBef>
+                <a:spcPts val="1000"/>
+              </a:spcBef>
+            </a:pPr>
+            <a:r>
+              <a:rPr lang="en-US" sz="3200" dirty="0">
+                <a:solidFill>
+                  <a:schemeClr val="tx2"/>
+                </a:solidFill>
+                <a:latin typeface="Calibri" panose="020F0502020204030204" pitchFamily="34" charset="0"/>
+                <a:cs typeface="Calibri" panose="020F0502020204030204" pitchFamily="34" charset="0"/>
+              </a:rPr>
+              <a:t>Help news website understand how fake articles could be eliminated through validation .</a:t>
+            </a:r>
+          </a:p>
+          <a:p>
+            <a:pPr>
+              <a:lnSpc>
+                <a:spcPct val="90000"/>
+              </a:lnSpc>
+              <a:spcBef>
+                <a:spcPts val="1000"/>
+              </a:spcBef>
+            </a:pPr>
+            <a:endParaRPr lang="en-US" sz="3200" dirty="0">
+              <a:solidFill>
+                <a:schemeClr val="tx2"/>
+              </a:solidFill>
+              <a:latin typeface="Calibri" panose="020F0502020204030204" pitchFamily="34" charset="0"/>
+              <a:cs typeface="Calibri" panose="020F0502020204030204" pitchFamily="34" charset="0"/>
+            </a:endParaRPr>
+          </a:p>
+          <a:p>
+            <a:pPr>
+              <a:lnSpc>
+                <a:spcPct val="90000"/>
+              </a:lnSpc>
+              <a:spcBef>
+                <a:spcPts val="1000"/>
+              </a:spcBef>
+            </a:pPr>
+            <a:r>
+              <a:rPr lang="en-US" sz="3200" dirty="0">
+                <a:solidFill>
+                  <a:schemeClr val="tx2"/>
+                </a:solidFill>
+                <a:latin typeface="Calibri" panose="020F0502020204030204" pitchFamily="34" charset="0"/>
+                <a:cs typeface="Calibri" panose="020F0502020204030204" pitchFamily="34" charset="0"/>
+              </a:rPr>
+              <a:t>Act as guide points for individuals to check news reliability.</a:t>
+            </a:r>
+          </a:p>
+          <a:p>
+            <a:pPr>
+              <a:lnSpc>
+                <a:spcPct val="90000"/>
+              </a:lnSpc>
+              <a:spcBef>
+                <a:spcPts val="1000"/>
+              </a:spcBef>
+            </a:pPr>
+            <a:endParaRPr lang="en-US" sz="3200" dirty="0">
+              <a:solidFill>
+                <a:schemeClr val="tx2"/>
+              </a:solidFill>
+              <a:latin typeface="Calibri" panose="020F0502020204030204" pitchFamily="34" charset="0"/>
+              <a:cs typeface="Calibri" panose="020F0502020204030204" pitchFamily="34" charset="0"/>
+            </a:endParaRPr>
+          </a:p>
+        </p:txBody>
+      </p:sp>
+    </p:spTree>
+    <p:extLst>
+      <p:ext uri="{BB962C8B-B14F-4D97-AF65-F5344CB8AC3E}">
+        <p14:creationId xmlns:p14="http://schemas.microsoft.com/office/powerpoint/2010/main" val="2453042807"/>
+      </p:ext>
+    </p:extLst>
+  </p:cSld>
+  <p:clrMapOvr>
+    <a:masterClrMapping/>
+  </p:clrMapOvr>
+</p:sld>
+</file>
+
+<file path=ppt/slides/slide11.xml><?xml version="1.0" encoding="utf-8"?>
+<p:sld xmlns:a="http://schemas.openxmlformats.org/drawingml/2006/main" xmlns:r="http://schemas.openxmlformats.org/officeDocument/2006/relationships" xmlns:p="http://schemas.openxmlformats.org/presentationml/2006/main">
+  <p:cSld>
+    <p:spTree>
+      <p:nvGrpSpPr>
+        <p:cNvPr id="1" name=""/>
+        <p:cNvGrpSpPr/>
+        <p:nvPr/>
+      </p:nvGrpSpPr>
+      <p:grpSpPr>
+        <a:xfrm>
+          <a:off x="0" y="0"/>
+          <a:ext cx="0" cy="0"/>
+          <a:chOff x="0" y="0"/>
+          <a:chExt cx="0" cy="0"/>
+        </a:xfrm>
+      </p:grpSpPr>
+      <p:pic>
+        <p:nvPicPr>
           <p:cNvPr id="12" name="Picture Placeholder 11">
             <a:extLst>
               <a:ext uri="{FF2B5EF4-FFF2-40B4-BE49-F238E27FC236}">
@@ -14616,39 +14687,6 @@
             <a:r>
               <a:rPr lang="en-US" dirty="0"/>
               <a:t>THANK YOU</a:t>
-            </a:r>
-          </a:p>
-        </p:txBody>
-      </p:sp>
-      <p:sp>
-        <p:nvSpPr>
-          <p:cNvPr id="4" name="Text Placeholder 3">
-            <a:extLst>
-              <a:ext uri="{FF2B5EF4-FFF2-40B4-BE49-F238E27FC236}">
-                <a16:creationId xmlns:a16="http://schemas.microsoft.com/office/drawing/2014/main" id="{1DD812B3-598A-4DCB-8AE9-1BA4B094BEAF}"/>
-              </a:ext>
-            </a:extLst>
-          </p:cNvPr>
-          <p:cNvSpPr>
-            <a:spLocks noGrp="1"/>
-          </p:cNvSpPr>
-          <p:nvPr>
-            <p:ph type="body" sz="quarter" idx="13"/>
-          </p:nvPr>
-        </p:nvSpPr>
-        <p:spPr>
-          <a:xfrm>
-            <a:off x="8309501" y="5884488"/>
-            <a:ext cx="3882499" cy="608120"/>
-          </a:xfrm>
-        </p:spPr>
-        <p:txBody>
-          <a:bodyPr/>
-          <a:lstStyle/>
-          <a:p>
-            <a:r>
-              <a:rPr lang="en-US" dirty="0"/>
-              <a:t>By - Vihar Devalla</a:t>
             </a:r>
           </a:p>
         </p:txBody>
@@ -15069,7 +15107,7 @@
                   <a:srgbClr val="FF0000"/>
                 </a:solidFill>
               </a:rPr>
-              <a:t>95% accuracy </a:t>
+              <a:t>96.3% accuracy </a:t>
             </a:r>
             <a:r>
               <a:rPr lang="en-US" dirty="0"/>
@@ -15288,10 +15326,10 @@
       </p:sp>
       <p:pic>
         <p:nvPicPr>
-          <p:cNvPr id="2" name="Picture 1">
-            <a:extLst>
-              <a:ext uri="{FF2B5EF4-FFF2-40B4-BE49-F238E27FC236}">
-                <a16:creationId xmlns:a16="http://schemas.microsoft.com/office/drawing/2014/main" id="{69842524-ADD9-4ADE-B137-C655DAC8092B}"/>
+          <p:cNvPr id="4" name="Picture 3">
+            <a:extLst>
+              <a:ext uri="{FF2B5EF4-FFF2-40B4-BE49-F238E27FC236}">
+                <a16:creationId xmlns:a16="http://schemas.microsoft.com/office/drawing/2014/main" id="{0D283E3C-6B07-4F68-A8C3-AF7473374361}"/>
               </a:ext>
             </a:extLst>
           </p:cNvPr>
@@ -15308,8 +15346,8 @@
         </p:blipFill>
         <p:spPr>
           <a:xfrm>
-            <a:off x="822257" y="576334"/>
-            <a:ext cx="5228158" cy="2742913"/>
+            <a:off x="822937" y="3734335"/>
+            <a:ext cx="5228838" cy="2633161"/>
           </a:xfrm>
           <a:prstGeom prst="rect">
             <a:avLst/>
@@ -15318,10 +15356,10 @@
       </p:pic>
       <p:pic>
         <p:nvPicPr>
-          <p:cNvPr id="4" name="Picture 3">
-            <a:extLst>
-              <a:ext uri="{FF2B5EF4-FFF2-40B4-BE49-F238E27FC236}">
-                <a16:creationId xmlns:a16="http://schemas.microsoft.com/office/drawing/2014/main" id="{0D283E3C-6B07-4F68-A8C3-AF7473374361}"/>
+          <p:cNvPr id="8" name="Picture 7">
+            <a:extLst>
+              <a:ext uri="{FF2B5EF4-FFF2-40B4-BE49-F238E27FC236}">
+                <a16:creationId xmlns:a16="http://schemas.microsoft.com/office/drawing/2014/main" id="{BECE8FC5-6D03-4F76-A670-7D2DC20B8ECF}"/>
               </a:ext>
             </a:extLst>
           </p:cNvPr>
@@ -15338,8 +15376,8 @@
         </p:blipFill>
         <p:spPr>
           <a:xfrm>
-            <a:off x="822937" y="3734335"/>
-            <a:ext cx="5228838" cy="2633161"/>
+            <a:off x="822937" y="490504"/>
+            <a:ext cx="5056083" cy="2807188"/>
           </a:xfrm>
           <a:prstGeom prst="rect">
             <a:avLst/>
@@ -15848,6 +15886,36 @@
           </a:p>
         </p:txBody>
       </p:sp>
+      <p:pic>
+        <p:nvPicPr>
+          <p:cNvPr id="2" name="Picture 1">
+            <a:extLst>
+              <a:ext uri="{FF2B5EF4-FFF2-40B4-BE49-F238E27FC236}">
+                <a16:creationId xmlns:a16="http://schemas.microsoft.com/office/drawing/2014/main" id="{D1250B2D-9EF5-46EC-972D-977FF1058EDA}"/>
+              </a:ext>
+            </a:extLst>
+          </p:cNvPr>
+          <p:cNvPicPr>
+            <a:picLocks noChangeAspect="1"/>
+          </p:cNvPicPr>
+          <p:nvPr/>
+        </p:nvPicPr>
+        <p:blipFill>
+          <a:blip r:embed="rId6"/>
+          <a:stretch>
+            <a:fillRect/>
+          </a:stretch>
+        </p:blipFill>
+        <p:spPr>
+          <a:xfrm>
+            <a:off x="5651823" y="854788"/>
+            <a:ext cx="5768840" cy="823031"/>
+          </a:xfrm>
+          <a:prstGeom prst="rect">
+            <a:avLst/>
+          </a:prstGeom>
+        </p:spPr>
+      </p:pic>
     </p:spTree>
     <p:extLst>
       <p:ext uri="{BB962C8B-B14F-4D97-AF65-F5344CB8AC3E}">
@@ -15971,7 +16039,7 @@
         </p:blipFill>
         <p:spPr>
           <a:xfrm>
-            <a:off x="6509899" y="1566892"/>
+            <a:off x="6030505" y="925234"/>
             <a:ext cx="4488569" cy="441998"/>
           </a:xfrm>
           <a:prstGeom prst="rect">
@@ -15981,10 +16049,10 @@
       </p:pic>
       <p:pic>
         <p:nvPicPr>
-          <p:cNvPr id="4" name="Picture 3">
-            <a:extLst>
-              <a:ext uri="{FF2B5EF4-FFF2-40B4-BE49-F238E27FC236}">
-                <a16:creationId xmlns:a16="http://schemas.microsoft.com/office/drawing/2014/main" id="{203AFC08-C2CF-4A97-9313-0DE91B76C0BB}"/>
+          <p:cNvPr id="6" name="Picture 5">
+            <a:extLst>
+              <a:ext uri="{FF2B5EF4-FFF2-40B4-BE49-F238E27FC236}">
+                <a16:creationId xmlns:a16="http://schemas.microsoft.com/office/drawing/2014/main" id="{1F35F91A-DF33-4E1B-BE5C-C51CB5D62EBE}"/>
               </a:ext>
             </a:extLst>
           </p:cNvPr>
@@ -16001,37 +16069,7 @@
         </p:blipFill>
         <p:spPr>
           <a:xfrm>
-            <a:off x="6509899" y="2385037"/>
-            <a:ext cx="5136325" cy="396274"/>
-          </a:xfrm>
-          <a:prstGeom prst="rect">
-            <a:avLst/>
-          </a:prstGeom>
-        </p:spPr>
-      </p:pic>
-      <p:pic>
-        <p:nvPicPr>
-          <p:cNvPr id="6" name="Picture 5">
-            <a:extLst>
-              <a:ext uri="{FF2B5EF4-FFF2-40B4-BE49-F238E27FC236}">
-                <a16:creationId xmlns:a16="http://schemas.microsoft.com/office/drawing/2014/main" id="{1F35F91A-DF33-4E1B-BE5C-C51CB5D62EBE}"/>
-              </a:ext>
-            </a:extLst>
-          </p:cNvPr>
-          <p:cNvPicPr>
-            <a:picLocks noChangeAspect="1"/>
-          </p:cNvPicPr>
-          <p:nvPr/>
-        </p:nvPicPr>
-        <p:blipFill>
-          <a:blip r:embed="rId5"/>
-          <a:stretch>
-            <a:fillRect/>
-          </a:stretch>
-        </p:blipFill>
-        <p:spPr>
-          <a:xfrm>
-            <a:off x="6509899" y="3091608"/>
+            <a:off x="6095999" y="3091608"/>
             <a:ext cx="3848433" cy="3497883"/>
           </a:xfrm>
           <a:prstGeom prst="rect">
@@ -16179,6 +16217,35 @@
           </a:p>
         </p:txBody>
       </p:sp>
+      <p:pic>
+        <p:nvPicPr>
+          <p:cNvPr id="5" name="Picture 4">
+            <a:extLst>
+              <a:ext uri="{FF2B5EF4-FFF2-40B4-BE49-F238E27FC236}">
+                <a16:creationId xmlns:a16="http://schemas.microsoft.com/office/drawing/2014/main" id="{5F6630F9-D275-4A58-95B2-85AA6E5C60CD}"/>
+              </a:ext>
+            </a:extLst>
+          </p:cNvPr>
+          <p:cNvPicPr>
+            <a:picLocks noChangeAspect="1"/>
+          </p:cNvPicPr>
+          <p:nvPr/>
+        </p:nvPicPr>
+        <p:blipFill rotWithShape="1">
+          <a:blip r:embed="rId5"/>
+          <a:srcRect r="27647"/>
+          <a:stretch/>
+        </p:blipFill>
+        <p:spPr>
+          <a:xfrm>
+            <a:off x="5061772" y="1568224"/>
+            <a:ext cx="7036726" cy="1322391"/>
+          </a:xfrm>
+          <a:prstGeom prst="rect">
+            <a:avLst/>
+          </a:prstGeom>
+        </p:spPr>
+      </p:pic>
     </p:spTree>
     <p:extLst>
       <p:ext uri="{BB962C8B-B14F-4D97-AF65-F5344CB8AC3E}">
@@ -16214,7 +16281,7 @@
           <p:cNvPr id="3" name="Slide Number Placeholder 2">
             <a:extLst>
               <a:ext uri="{FF2B5EF4-FFF2-40B4-BE49-F238E27FC236}">
-                <a16:creationId xmlns:a16="http://schemas.microsoft.com/office/drawing/2014/main" id="{BE2097B5-7D50-4CAF-83CA-D7D9886A855D}"/>
+                <a16:creationId xmlns:a16="http://schemas.microsoft.com/office/drawing/2014/main" id="{5BEA4954-9433-4799-8833-84CE34D2ABCA}"/>
               </a:ext>
             </a:extLst>
           </p:cNvPr>
@@ -16245,7 +16312,7 @@
           <p:cNvPr id="5" name="Title 4">
             <a:extLst>
               <a:ext uri="{FF2B5EF4-FFF2-40B4-BE49-F238E27FC236}">
-                <a16:creationId xmlns:a16="http://schemas.microsoft.com/office/drawing/2014/main" id="{A07DA727-9B3C-43B4-A4DC-13D0762E1EB4}"/>
+                <a16:creationId xmlns:a16="http://schemas.microsoft.com/office/drawing/2014/main" id="{E804CC79-012A-4B12-BCA5-5F201784C8B5}"/>
               </a:ext>
             </a:extLst>
           </p:cNvPr>
@@ -16256,10 +16323,38 @@
             <p:ph type="title"/>
           </p:nvPr>
         </p:nvSpPr>
+        <p:spPr/>
+        <p:txBody>
+          <a:bodyPr/>
+          <a:lstStyle/>
+          <a:p>
+            <a:r>
+              <a:rPr lang="en-US" dirty="0"/>
+              <a:t>Code</a:t>
+            </a:r>
+          </a:p>
+        </p:txBody>
+      </p:sp>
+      <p:sp>
+        <p:nvSpPr>
+          <p:cNvPr id="6" name="Text Placeholder 5">
+            <a:extLst>
+              <a:ext uri="{FF2B5EF4-FFF2-40B4-BE49-F238E27FC236}">
+                <a16:creationId xmlns:a16="http://schemas.microsoft.com/office/drawing/2014/main" id="{8F6D75A0-5A22-48CD-A204-D882F1A513FA}"/>
+              </a:ext>
+            </a:extLst>
+          </p:cNvPr>
+          <p:cNvSpPr>
+            <a:spLocks noGrp="1"/>
+          </p:cNvSpPr>
+          <p:nvPr>
+            <p:ph type="body" sz="quarter" idx="13"/>
+          </p:nvPr>
+        </p:nvSpPr>
         <p:spPr>
           <a:xfrm>
-            <a:off x="441211" y="812997"/>
-            <a:ext cx="5799791" cy="782638"/>
+            <a:off x="774031" y="2225391"/>
+            <a:ext cx="5893099" cy="4459493"/>
           </a:xfrm>
         </p:spPr>
         <p:txBody>
@@ -16270,122 +16365,43 @@
           <a:p>
             <a:r>
               <a:rPr lang="en-US" dirty="0"/>
-              <a:t>Tuning the Model</a:t>
-            </a:r>
-          </a:p>
-        </p:txBody>
-      </p:sp>
-      <p:sp>
-        <p:nvSpPr>
-          <p:cNvPr id="9" name="Rectangle 8">
-            <a:extLst>
-              <a:ext uri="{FF2B5EF4-FFF2-40B4-BE49-F238E27FC236}">
-                <a16:creationId xmlns:a16="http://schemas.microsoft.com/office/drawing/2014/main" id="{64D42055-2DC9-4713-9716-F1FB3D2E3F3E}"/>
-              </a:ext>
-            </a:extLst>
-          </p:cNvPr>
-          <p:cNvSpPr/>
-          <p:nvPr/>
-        </p:nvSpPr>
-        <p:spPr>
-          <a:xfrm>
-            <a:off x="281412" y="2597415"/>
-            <a:ext cx="5056083" cy="2677656"/>
-          </a:xfrm>
-          <a:prstGeom prst="rect">
-            <a:avLst/>
-          </a:prstGeom>
-        </p:spPr>
-        <p:txBody>
-          <a:bodyPr vert="horz" lIns="91440" tIns="45720" rIns="91440" bIns="45720" rtlCol="0">
-            <a:normAutofit/>
-          </a:bodyPr>
-          <a:lstStyle/>
-          <a:p>
-            <a:pPr>
-              <a:lnSpc>
-                <a:spcPct val="90000"/>
-              </a:lnSpc>
-              <a:spcBef>
-                <a:spcPts val="1000"/>
-              </a:spcBef>
-            </a:pPr>
-            <a:r>
-              <a:rPr lang="en-US" sz="2800" dirty="0">
-                <a:solidFill>
-                  <a:schemeClr val="tx2"/>
-                </a:solidFill>
-                <a:latin typeface="Calibri" panose="020F0502020204030204" pitchFamily="34" charset="0"/>
-                <a:cs typeface="Calibri" panose="020F0502020204030204" pitchFamily="34" charset="0"/>
-              </a:rPr>
-              <a:t>We used </a:t>
+              <a:t>We also used </a:t>
             </a:r>
             <a:r>
-              <a:rPr lang="en-US" sz="2800" dirty="0" err="1">
-                <a:solidFill>
-                  <a:schemeClr val="tx2"/>
-                </a:solidFill>
-                <a:latin typeface="Calibri" panose="020F0502020204030204" pitchFamily="34" charset="0"/>
-                <a:cs typeface="Calibri" panose="020F0502020204030204" pitchFamily="34" charset="0"/>
-              </a:rPr>
-              <a:t>GridSearch</a:t>
+              <a:rPr lang="en-US" dirty="0" err="1"/>
+              <a:t>XGBoost</a:t>
             </a:r>
             <a:r>
-              <a:rPr lang="en-US" sz="2800" dirty="0">
-                <a:solidFill>
-                  <a:schemeClr val="tx2"/>
-                </a:solidFill>
-                <a:latin typeface="Calibri" panose="020F0502020204030204" pitchFamily="34" charset="0"/>
-                <a:cs typeface="Calibri" panose="020F0502020204030204" pitchFamily="34" charset="0"/>
-              </a:rPr>
-              <a:t> to find the optimum parameters for the model to get best accuracy. </a:t>
+              <a:rPr lang="en-US" dirty="0"/>
+              <a:t> model for the classification</a:t>
             </a:r>
           </a:p>
           <a:p>
-            <a:pPr>
-              <a:lnSpc>
-                <a:spcPct val="90000"/>
-              </a:lnSpc>
-              <a:spcBef>
-                <a:spcPts val="1000"/>
-              </a:spcBef>
-            </a:pPr>
-            <a:endParaRPr lang="en-US" sz="2800" dirty="0">
-              <a:solidFill>
-                <a:schemeClr val="tx2"/>
-              </a:solidFill>
-              <a:latin typeface="Calibri" panose="020F0502020204030204" pitchFamily="34" charset="0"/>
-              <a:cs typeface="Calibri" panose="020F0502020204030204" pitchFamily="34" charset="0"/>
-            </a:endParaRPr>
-          </a:p>
-          <a:p>
-            <a:pPr>
-              <a:lnSpc>
-                <a:spcPct val="90000"/>
-              </a:lnSpc>
-              <a:spcBef>
-                <a:spcPts val="1000"/>
-              </a:spcBef>
-            </a:pPr>
+            <a:endParaRPr lang="en-US" dirty="0"/>
+          </a:p>
+          <a:p>
             <a:r>
-              <a:rPr lang="en-US" sz="2800" dirty="0">
-                <a:solidFill>
-                  <a:schemeClr val="tx2"/>
-                </a:solidFill>
-                <a:latin typeface="Calibri" panose="020F0502020204030204" pitchFamily="34" charset="0"/>
-                <a:cs typeface="Calibri" panose="020F0502020204030204" pitchFamily="34" charset="0"/>
-              </a:rPr>
-              <a:t>Then we dumped the model for the demo use</a:t>
+              <a:rPr lang="en-US" dirty="0"/>
+              <a:t>It gave better accuracy on the test set but….</a:t>
+            </a:r>
+          </a:p>
+          <a:p>
+            <a:endParaRPr lang="en-US" dirty="0"/>
+          </a:p>
+          <a:p>
+            <a:r>
+              <a:rPr lang="en-US" dirty="0"/>
+              <a:t>It classified all articles as unreliable when used for individual prediction</a:t>
             </a:r>
           </a:p>
         </p:txBody>
       </p:sp>
       <p:pic>
         <p:nvPicPr>
-          <p:cNvPr id="4" name="Picture 3">
-            <a:extLst>
-              <a:ext uri="{FF2B5EF4-FFF2-40B4-BE49-F238E27FC236}">
-                <a16:creationId xmlns:a16="http://schemas.microsoft.com/office/drawing/2014/main" id="{9AC01C2F-D920-4FD1-B05A-039071369552}"/>
+          <p:cNvPr id="2" name="Picture 1">
+            <a:extLst>
+              <a:ext uri="{FF2B5EF4-FFF2-40B4-BE49-F238E27FC236}">
+                <a16:creationId xmlns:a16="http://schemas.microsoft.com/office/drawing/2014/main" id="{D858E075-45B2-4468-8F95-96DA52F01CDA}"/>
               </a:ext>
             </a:extLst>
           </p:cNvPr>
@@ -16394,46 +16410,15 @@
           </p:cNvPicPr>
           <p:nvPr/>
         </p:nvPicPr>
-        <p:blipFill>
+        <p:blipFill rotWithShape="1">
           <a:blip r:embed="rId2"/>
-          <a:stretch>
-            <a:fillRect/>
-          </a:stretch>
+          <a:srcRect r="25805"/>
+          <a:stretch/>
         </p:blipFill>
         <p:spPr>
           <a:xfrm>
-            <a:off x="5516302" y="1734062"/>
-            <a:ext cx="4732430" cy="2857748"/>
-          </a:xfrm>
-          <a:prstGeom prst="rect">
-            <a:avLst/>
-          </a:prstGeom>
-        </p:spPr>
-      </p:pic>
-      <p:pic>
-        <p:nvPicPr>
-          <p:cNvPr id="6" name="Picture 5">
-            <a:extLst>
-              <a:ext uri="{FF2B5EF4-FFF2-40B4-BE49-F238E27FC236}">
-                <a16:creationId xmlns:a16="http://schemas.microsoft.com/office/drawing/2014/main" id="{8A34CF3A-58DF-41E2-9A6E-DEA9A0D15EBC}"/>
-              </a:ext>
-            </a:extLst>
-          </p:cNvPr>
-          <p:cNvPicPr>
-            <a:picLocks noChangeAspect="1"/>
-          </p:cNvPicPr>
-          <p:nvPr/>
-        </p:nvPicPr>
-        <p:blipFill>
-          <a:blip r:embed="rId3"/>
-          <a:stretch>
-            <a:fillRect/>
-          </a:stretch>
-        </p:blipFill>
-        <p:spPr>
-          <a:xfrm>
-            <a:off x="5516302" y="4841745"/>
-            <a:ext cx="6675698" cy="1737511"/>
+            <a:off x="6667130" y="1526957"/>
+            <a:ext cx="5209809" cy="2530138"/>
           </a:xfrm>
           <a:prstGeom prst="rect">
             <a:avLst/>
@@ -16443,7 +16428,7 @@
     </p:spTree>
     <p:extLst>
       <p:ext uri="{BB962C8B-B14F-4D97-AF65-F5344CB8AC3E}">
-        <p14:creationId xmlns:p14="http://schemas.microsoft.com/office/powerpoint/2010/main" val="2515351385"/>
+        <p14:creationId xmlns:p14="http://schemas.microsoft.com/office/powerpoint/2010/main" val="3273649930"/>
       </p:ext>
     </p:extLst>
   </p:cSld>
@@ -16470,44 +16455,12 @@
           <a:chExt cx="0" cy="0"/>
         </a:xfrm>
       </p:grpSpPr>
-      <p:pic>
-        <p:nvPicPr>
-          <p:cNvPr id="7" name="Picture 6">
-            <a:extLst>
-              <a:ext uri="{FF2B5EF4-FFF2-40B4-BE49-F238E27FC236}">
-                <a16:creationId xmlns:a16="http://schemas.microsoft.com/office/drawing/2014/main" id="{452F0023-3521-4BB5-B4F0-81562E0180D9}"/>
-              </a:ext>
-            </a:extLst>
-          </p:cNvPr>
-          <p:cNvPicPr>
-            <a:picLocks noChangeAspect="1"/>
-          </p:cNvPicPr>
-          <p:nvPr/>
-        </p:nvPicPr>
-        <p:blipFill>
-          <a:blip r:embed="rId2">
-            <a:biLevel thresh="25000"/>
-          </a:blip>
-          <a:stretch>
-            <a:fillRect/>
-          </a:stretch>
-        </p:blipFill>
-        <p:spPr>
-          <a:xfrm>
-            <a:off x="10929054" y="6036331"/>
-            <a:ext cx="350550" cy="297206"/>
-          </a:xfrm>
-          <a:prstGeom prst="rect">
-            <a:avLst/>
-          </a:prstGeom>
-        </p:spPr>
-      </p:pic>
       <p:sp>
         <p:nvSpPr>
-          <p:cNvPr id="2" name="Slide Number Placeholder 1">
-            <a:extLst>
-              <a:ext uri="{FF2B5EF4-FFF2-40B4-BE49-F238E27FC236}">
-                <a16:creationId xmlns:a16="http://schemas.microsoft.com/office/drawing/2014/main" id="{64680C14-2AAE-4E7B-8E9A-C9B310E39B5A}"/>
+          <p:cNvPr id="3" name="Slide Number Placeholder 2">
+            <a:extLst>
+              <a:ext uri="{FF2B5EF4-FFF2-40B4-BE49-F238E27FC236}">
+                <a16:creationId xmlns:a16="http://schemas.microsoft.com/office/drawing/2014/main" id="{BE2097B5-7D50-4CAF-83CA-D7D9886A855D}"/>
               </a:ext>
             </a:extLst>
           </p:cNvPr>
@@ -16525,28 +16478,20 @@
           <a:p>
             <a:pPr rtl="0"/>
             <a:fld id="{D495E168-DA5E-4888-8D8A-92B118324C14}" type="slidenum">
-              <a:rPr lang="en-GB" noProof="0" smtClean="0">
-                <a:solidFill>
-                  <a:schemeClr val="tx1"/>
-                </a:solidFill>
-              </a:rPr>
+              <a:rPr lang="en-GB" noProof="0" smtClean="0"/>
               <a:pPr rtl="0"/>
               <a:t>7</a:t>
             </a:fld>
-            <a:endParaRPr lang="en-GB" noProof="0" dirty="0">
-              <a:solidFill>
-                <a:schemeClr val="tx1"/>
-              </a:solidFill>
-            </a:endParaRPr>
+            <a:endParaRPr lang="en-GB" noProof="0"/>
           </a:p>
         </p:txBody>
       </p:sp>
       <p:sp>
         <p:nvSpPr>
-          <p:cNvPr id="6" name="Title 4">
-            <a:extLst>
-              <a:ext uri="{FF2B5EF4-FFF2-40B4-BE49-F238E27FC236}">
-                <a16:creationId xmlns:a16="http://schemas.microsoft.com/office/drawing/2014/main" id="{A7A8247F-4ECD-49EA-BC55-6B0DEDE0C80B}"/>
+          <p:cNvPr id="5" name="Title 4">
+            <a:extLst>
+              <a:ext uri="{FF2B5EF4-FFF2-40B4-BE49-F238E27FC236}">
+                <a16:creationId xmlns:a16="http://schemas.microsoft.com/office/drawing/2014/main" id="{A07DA727-9B3C-43B4-A4DC-13D0762E1EB4}"/>
               </a:ext>
             </a:extLst>
           </p:cNvPr>
@@ -16559,8 +16504,8 @@
         </p:nvSpPr>
         <p:spPr>
           <a:xfrm>
-            <a:off x="3567958" y="999005"/>
-            <a:ext cx="5056083" cy="782638"/>
+            <a:off x="441211" y="812997"/>
+            <a:ext cx="5799791" cy="782638"/>
           </a:xfrm>
         </p:spPr>
         <p:txBody>
@@ -16569,20 +16514,19 @@
           </a:bodyPr>
           <a:lstStyle/>
           <a:p>
-            <a:pPr algn="l"/>
             <a:r>
-              <a:rPr lang="en-US" sz="4800" dirty="0"/>
-              <a:t>DEMO TIME</a:t>
+              <a:rPr lang="en-US" dirty="0"/>
+              <a:t>Tuning the Model</a:t>
             </a:r>
           </a:p>
         </p:txBody>
       </p:sp>
       <p:sp>
         <p:nvSpPr>
-          <p:cNvPr id="3" name="Rectangle 2">
-            <a:extLst>
-              <a:ext uri="{FF2B5EF4-FFF2-40B4-BE49-F238E27FC236}">
-                <a16:creationId xmlns:a16="http://schemas.microsoft.com/office/drawing/2014/main" id="{848C27A2-DB82-44AC-8845-4AE59A7494E5}"/>
+          <p:cNvPr id="9" name="Rectangle 8">
+            <a:extLst>
+              <a:ext uri="{FF2B5EF4-FFF2-40B4-BE49-F238E27FC236}">
+                <a16:creationId xmlns:a16="http://schemas.microsoft.com/office/drawing/2014/main" id="{64D42055-2DC9-4713-9716-F1FB3D2E3F3E}"/>
               </a:ext>
             </a:extLst>
           </p:cNvPr>
@@ -16591,33 +16535,141 @@
         </p:nvSpPr>
         <p:spPr>
           <a:xfrm>
-            <a:off x="1944210" y="3165010"/>
-            <a:ext cx="8093204" cy="769441"/>
+            <a:off x="281412" y="2597415"/>
+            <a:ext cx="5056083" cy="2677656"/>
           </a:xfrm>
           <a:prstGeom prst="rect">
             <a:avLst/>
           </a:prstGeom>
         </p:spPr>
         <p:txBody>
-          <a:bodyPr wrap="square">
-            <a:spAutoFit/>
+          <a:bodyPr vert="horz" lIns="91440" tIns="45720" rIns="91440" bIns="45720" rtlCol="0">
+            <a:normAutofit/>
           </a:bodyPr>
           <a:lstStyle/>
           <a:p>
+            <a:pPr>
+              <a:lnSpc>
+                <a:spcPct val="90000"/>
+              </a:lnSpc>
+              <a:spcBef>
+                <a:spcPts val="1000"/>
+              </a:spcBef>
+            </a:pPr>
             <a:r>
-              <a:rPr lang="en-US" sz="4400" dirty="0">
-                <a:hlinkClick r:id="rId3"/>
+              <a:rPr lang="en-US" sz="2800" dirty="0">
+                <a:solidFill>
+                  <a:schemeClr val="tx2"/>
+                </a:solidFill>
+                <a:latin typeface="Calibri" panose="020F0502020204030204" pitchFamily="34" charset="0"/>
+                <a:cs typeface="Calibri" panose="020F0502020204030204" pitchFamily="34" charset="0"/>
               </a:rPr>
-              <a:t>https://9e7311295fe5.ngrok.io/</a:t>
+              <a:t>We used Grid Search to find the optimum parameters for the model to get best accuracy. </a:t>
             </a:r>
-            <a:endParaRPr lang="en-US" sz="4400" dirty="0"/>
+          </a:p>
+          <a:p>
+            <a:pPr>
+              <a:lnSpc>
+                <a:spcPct val="90000"/>
+              </a:lnSpc>
+              <a:spcBef>
+                <a:spcPts val="1000"/>
+              </a:spcBef>
+            </a:pPr>
+            <a:endParaRPr lang="en-US" sz="2800" dirty="0">
+              <a:solidFill>
+                <a:schemeClr val="tx2"/>
+              </a:solidFill>
+              <a:latin typeface="Calibri" panose="020F0502020204030204" pitchFamily="34" charset="0"/>
+              <a:cs typeface="Calibri" panose="020F0502020204030204" pitchFamily="34" charset="0"/>
+            </a:endParaRPr>
+          </a:p>
+          <a:p>
+            <a:pPr>
+              <a:lnSpc>
+                <a:spcPct val="90000"/>
+              </a:lnSpc>
+              <a:spcBef>
+                <a:spcPts val="1000"/>
+              </a:spcBef>
+            </a:pPr>
+            <a:r>
+              <a:rPr lang="en-US" sz="2800" dirty="0">
+                <a:solidFill>
+                  <a:schemeClr val="tx2"/>
+                </a:solidFill>
+                <a:latin typeface="Calibri" panose="020F0502020204030204" pitchFamily="34" charset="0"/>
+                <a:cs typeface="Calibri" panose="020F0502020204030204" pitchFamily="34" charset="0"/>
+              </a:rPr>
+              <a:t>Then we dumped the model for the demo use</a:t>
+            </a:r>
           </a:p>
         </p:txBody>
       </p:sp>
+      <p:pic>
+        <p:nvPicPr>
+          <p:cNvPr id="6" name="Picture 5">
+            <a:extLst>
+              <a:ext uri="{FF2B5EF4-FFF2-40B4-BE49-F238E27FC236}">
+                <a16:creationId xmlns:a16="http://schemas.microsoft.com/office/drawing/2014/main" id="{8A34CF3A-58DF-41E2-9A6E-DEA9A0D15EBC}"/>
+              </a:ext>
+            </a:extLst>
+          </p:cNvPr>
+          <p:cNvPicPr>
+            <a:picLocks noChangeAspect="1"/>
+          </p:cNvPicPr>
+          <p:nvPr/>
+        </p:nvPicPr>
+        <p:blipFill>
+          <a:blip r:embed="rId2"/>
+          <a:stretch>
+            <a:fillRect/>
+          </a:stretch>
+        </p:blipFill>
+        <p:spPr>
+          <a:xfrm>
+            <a:off x="5516302" y="4841745"/>
+            <a:ext cx="6675698" cy="1737511"/>
+          </a:xfrm>
+          <a:prstGeom prst="rect">
+            <a:avLst/>
+          </a:prstGeom>
+        </p:spPr>
+      </p:pic>
+      <p:pic>
+        <p:nvPicPr>
+          <p:cNvPr id="2" name="Picture 1">
+            <a:extLst>
+              <a:ext uri="{FF2B5EF4-FFF2-40B4-BE49-F238E27FC236}">
+                <a16:creationId xmlns:a16="http://schemas.microsoft.com/office/drawing/2014/main" id="{8E92D215-E02D-4544-B955-F792D23632D7}"/>
+              </a:ext>
+            </a:extLst>
+          </p:cNvPr>
+          <p:cNvPicPr>
+            <a:picLocks noChangeAspect="1"/>
+          </p:cNvPicPr>
+          <p:nvPr/>
+        </p:nvPicPr>
+        <p:blipFill>
+          <a:blip r:embed="rId3"/>
+          <a:stretch>
+            <a:fillRect/>
+          </a:stretch>
+        </p:blipFill>
+        <p:spPr>
+          <a:xfrm>
+            <a:off x="5607211" y="1171423"/>
+            <a:ext cx="6411556" cy="3302923"/>
+          </a:xfrm>
+          <a:prstGeom prst="rect">
+            <a:avLst/>
+          </a:prstGeom>
+        </p:spPr>
+      </p:pic>
     </p:spTree>
     <p:extLst>
       <p:ext uri="{BB962C8B-B14F-4D97-AF65-F5344CB8AC3E}">
-        <p14:creationId xmlns:p14="http://schemas.microsoft.com/office/powerpoint/2010/main" val="3021906781"/>
+        <p14:creationId xmlns:p14="http://schemas.microsoft.com/office/powerpoint/2010/main" val="2515351385"/>
       </p:ext>
     </p:extLst>
   </p:cSld>
@@ -16646,10 +16698,10 @@
       </p:grpSpPr>
       <p:pic>
         <p:nvPicPr>
-          <p:cNvPr id="12" name="Picture 11">
-            <a:extLst>
-              <a:ext uri="{FF2B5EF4-FFF2-40B4-BE49-F238E27FC236}">
-                <a16:creationId xmlns:a16="http://schemas.microsoft.com/office/drawing/2014/main" id="{6FF6E725-CD11-4B54-A76A-B645B1E2F44A}"/>
+          <p:cNvPr id="7" name="Picture 6">
+            <a:extLst>
+              <a:ext uri="{FF2B5EF4-FFF2-40B4-BE49-F238E27FC236}">
+                <a16:creationId xmlns:a16="http://schemas.microsoft.com/office/drawing/2014/main" id="{452F0023-3521-4BB5-B4F0-81562E0180D9}"/>
               </a:ext>
             </a:extLst>
           </p:cNvPr>
@@ -16681,7 +16733,7 @@
           <p:cNvPr id="2" name="Slide Number Placeholder 1">
             <a:extLst>
               <a:ext uri="{FF2B5EF4-FFF2-40B4-BE49-F238E27FC236}">
-                <a16:creationId xmlns:a16="http://schemas.microsoft.com/office/drawing/2014/main" id="{6FCE3999-84C0-476A-BB28-833C2F5E0E0B}"/>
+                <a16:creationId xmlns:a16="http://schemas.microsoft.com/office/drawing/2014/main" id="{64680C14-2AAE-4E7B-8E9A-C9B310E39B5A}"/>
               </a:ext>
             </a:extLst>
           </p:cNvPr>
@@ -16706,6 +16758,180 @@
               </a:rPr>
               <a:pPr rtl="0"/>
               <a:t>8</a:t>
+            </a:fld>
+            <a:endParaRPr lang="en-GB" noProof="0" dirty="0">
+              <a:solidFill>
+                <a:schemeClr val="tx1"/>
+              </a:solidFill>
+            </a:endParaRPr>
+          </a:p>
+        </p:txBody>
+      </p:sp>
+      <p:sp>
+        <p:nvSpPr>
+          <p:cNvPr id="6" name="Title 4">
+            <a:extLst>
+              <a:ext uri="{FF2B5EF4-FFF2-40B4-BE49-F238E27FC236}">
+                <a16:creationId xmlns:a16="http://schemas.microsoft.com/office/drawing/2014/main" id="{A7A8247F-4ECD-49EA-BC55-6B0DEDE0C80B}"/>
+              </a:ext>
+            </a:extLst>
+          </p:cNvPr>
+          <p:cNvSpPr>
+            <a:spLocks noGrp="1"/>
+          </p:cNvSpPr>
+          <p:nvPr>
+            <p:ph type="title"/>
+          </p:nvPr>
+        </p:nvSpPr>
+        <p:spPr>
+          <a:xfrm>
+            <a:off x="3567958" y="999005"/>
+            <a:ext cx="5056083" cy="782638"/>
+          </a:xfrm>
+        </p:spPr>
+        <p:txBody>
+          <a:bodyPr>
+            <a:normAutofit/>
+          </a:bodyPr>
+          <a:lstStyle/>
+          <a:p>
+            <a:pPr algn="l"/>
+            <a:r>
+              <a:rPr lang="en-US" sz="4800" dirty="0"/>
+              <a:t>DEMO TIME</a:t>
+            </a:r>
+          </a:p>
+        </p:txBody>
+      </p:sp>
+      <p:sp>
+        <p:nvSpPr>
+          <p:cNvPr id="3" name="Rectangle 2">
+            <a:extLst>
+              <a:ext uri="{FF2B5EF4-FFF2-40B4-BE49-F238E27FC236}">
+                <a16:creationId xmlns:a16="http://schemas.microsoft.com/office/drawing/2014/main" id="{848C27A2-DB82-44AC-8845-4AE59A7494E5}"/>
+              </a:ext>
+            </a:extLst>
+          </p:cNvPr>
+          <p:cNvSpPr/>
+          <p:nvPr/>
+        </p:nvSpPr>
+        <p:spPr>
+          <a:xfrm>
+            <a:off x="1944210" y="3165010"/>
+            <a:ext cx="8093204" cy="769441"/>
+          </a:xfrm>
+          <a:prstGeom prst="rect">
+            <a:avLst/>
+          </a:prstGeom>
+        </p:spPr>
+        <p:txBody>
+          <a:bodyPr wrap="square">
+            <a:spAutoFit/>
+          </a:bodyPr>
+          <a:lstStyle/>
+          <a:p>
+            <a:r>
+              <a:rPr lang="en-US" sz="4400" dirty="0">
+                <a:hlinkClick r:id="rId3"/>
+              </a:rPr>
+              <a:t>https://329f5d839de5.ngrok.io/</a:t>
+            </a:r>
+            <a:endParaRPr lang="en-US" sz="4400" dirty="0"/>
+          </a:p>
+        </p:txBody>
+      </p:sp>
+    </p:spTree>
+    <p:extLst>
+      <p:ext uri="{BB962C8B-B14F-4D97-AF65-F5344CB8AC3E}">
+        <p14:creationId xmlns:p14="http://schemas.microsoft.com/office/powerpoint/2010/main" val="3021906781"/>
+      </p:ext>
+    </p:extLst>
+  </p:cSld>
+  <p:clrMapOvr>
+    <a:masterClrMapping/>
+  </p:clrMapOvr>
+</p:sld>
+</file>
+
+<file path=ppt/slides/slide9.xml><?xml version="1.0" encoding="utf-8"?>
+<p:sld xmlns:a="http://schemas.openxmlformats.org/drawingml/2006/main" xmlns:r="http://schemas.openxmlformats.org/officeDocument/2006/relationships" xmlns:p="http://schemas.openxmlformats.org/presentationml/2006/main">
+  <p:cSld>
+    <p:spTree>
+      <p:nvGrpSpPr>
+        <p:cNvPr id="1" name=""/>
+        <p:cNvGrpSpPr/>
+        <p:nvPr/>
+      </p:nvGrpSpPr>
+      <p:grpSpPr>
+        <a:xfrm>
+          <a:off x="0" y="0"/>
+          <a:ext cx="0" cy="0"/>
+          <a:chOff x="0" y="0"/>
+          <a:chExt cx="0" cy="0"/>
+        </a:xfrm>
+      </p:grpSpPr>
+      <p:pic>
+        <p:nvPicPr>
+          <p:cNvPr id="12" name="Picture 11">
+            <a:extLst>
+              <a:ext uri="{FF2B5EF4-FFF2-40B4-BE49-F238E27FC236}">
+                <a16:creationId xmlns:a16="http://schemas.microsoft.com/office/drawing/2014/main" id="{6FF6E725-CD11-4B54-A76A-B645B1E2F44A}"/>
+              </a:ext>
+            </a:extLst>
+          </p:cNvPr>
+          <p:cNvPicPr>
+            <a:picLocks noChangeAspect="1"/>
+          </p:cNvPicPr>
+          <p:nvPr/>
+        </p:nvPicPr>
+        <p:blipFill>
+          <a:blip r:embed="rId2">
+            <a:biLevel thresh="25000"/>
+          </a:blip>
+          <a:stretch>
+            <a:fillRect/>
+          </a:stretch>
+        </p:blipFill>
+        <p:spPr>
+          <a:xfrm>
+            <a:off x="10929054" y="6036331"/>
+            <a:ext cx="350550" cy="297206"/>
+          </a:xfrm>
+          <a:prstGeom prst="rect">
+            <a:avLst/>
+          </a:prstGeom>
+        </p:spPr>
+      </p:pic>
+      <p:sp>
+        <p:nvSpPr>
+          <p:cNvPr id="2" name="Slide Number Placeholder 1">
+            <a:extLst>
+              <a:ext uri="{FF2B5EF4-FFF2-40B4-BE49-F238E27FC236}">
+                <a16:creationId xmlns:a16="http://schemas.microsoft.com/office/drawing/2014/main" id="{6FCE3999-84C0-476A-BB28-833C2F5E0E0B}"/>
+              </a:ext>
+            </a:extLst>
+          </p:cNvPr>
+          <p:cNvSpPr>
+            <a:spLocks noGrp="1"/>
+          </p:cNvSpPr>
+          <p:nvPr>
+            <p:ph type="sldNum" sz="quarter" idx="10"/>
+          </p:nvPr>
+        </p:nvSpPr>
+        <p:spPr/>
+        <p:txBody>
+          <a:bodyPr/>
+          <a:lstStyle/>
+          <a:p>
+            <a:pPr rtl="0"/>
+            <a:fld id="{D495E168-DA5E-4888-8D8A-92B118324C14}" type="slidenum">
+              <a:rPr lang="en-GB" noProof="0" smtClean="0">
+                <a:solidFill>
+                  <a:schemeClr val="tx1"/>
+                </a:solidFill>
+              </a:rPr>
+              <a:pPr rtl="0"/>
+              <a:t>9</a:t>
             </a:fld>
             <a:endParaRPr lang="en-GB" noProof="0" dirty="0">
               <a:solidFill>
@@ -16913,7 +17139,7 @@
         </p:blipFill>
         <p:spPr>
           <a:xfrm>
-            <a:off x="6688989" y="1578798"/>
+            <a:off x="6813277" y="1399069"/>
             <a:ext cx="5037147" cy="4201905"/>
           </a:xfrm>
           <a:prstGeom prst="rect">
@@ -16925,282 +17151,6 @@
     <p:extLst>
       <p:ext uri="{BB962C8B-B14F-4D97-AF65-F5344CB8AC3E}">
         <p14:creationId xmlns:p14="http://schemas.microsoft.com/office/powerpoint/2010/main" val="695695885"/>
-      </p:ext>
-    </p:extLst>
-  </p:cSld>
-  <p:clrMapOvr>
-    <a:masterClrMapping/>
-  </p:clrMapOvr>
-</p:sld>
-</file>
-
-<file path=ppt/slides/slide9.xml><?xml version="1.0" encoding="utf-8"?>
-<p:sld xmlns:a="http://schemas.openxmlformats.org/drawingml/2006/main" xmlns:r="http://schemas.openxmlformats.org/officeDocument/2006/relationships" xmlns:p="http://schemas.openxmlformats.org/presentationml/2006/main">
-  <p:cSld>
-    <p:spTree>
-      <p:nvGrpSpPr>
-        <p:cNvPr id="1" name=""/>
-        <p:cNvGrpSpPr/>
-        <p:nvPr/>
-      </p:nvGrpSpPr>
-      <p:grpSpPr>
-        <a:xfrm>
-          <a:off x="0" y="0"/>
-          <a:ext cx="0" cy="0"/>
-          <a:chOff x="0" y="0"/>
-          <a:chExt cx="0" cy="0"/>
-        </a:xfrm>
-      </p:grpSpPr>
-      <p:pic>
-        <p:nvPicPr>
-          <p:cNvPr id="8" name="Picture 7">
-            <a:extLst>
-              <a:ext uri="{FF2B5EF4-FFF2-40B4-BE49-F238E27FC236}">
-                <a16:creationId xmlns:a16="http://schemas.microsoft.com/office/drawing/2014/main" id="{1113FDE0-2654-4440-B52E-8B36C9AAEACC}"/>
-              </a:ext>
-            </a:extLst>
-          </p:cNvPr>
-          <p:cNvPicPr>
-            <a:picLocks noChangeAspect="1"/>
-          </p:cNvPicPr>
-          <p:nvPr/>
-        </p:nvPicPr>
-        <p:blipFill>
-          <a:blip r:embed="rId2">
-            <a:biLevel thresh="25000"/>
-          </a:blip>
-          <a:stretch>
-            <a:fillRect/>
-          </a:stretch>
-        </p:blipFill>
-        <p:spPr>
-          <a:xfrm>
-            <a:off x="10929054" y="6036331"/>
-            <a:ext cx="350550" cy="297206"/>
-          </a:xfrm>
-          <a:prstGeom prst="rect">
-            <a:avLst/>
-          </a:prstGeom>
-        </p:spPr>
-      </p:pic>
-      <p:sp>
-        <p:nvSpPr>
-          <p:cNvPr id="2" name="Slide Number Placeholder 1">
-            <a:extLst>
-              <a:ext uri="{FF2B5EF4-FFF2-40B4-BE49-F238E27FC236}">
-                <a16:creationId xmlns:a16="http://schemas.microsoft.com/office/drawing/2014/main" id="{3A19E95A-5171-4332-8196-5E35913833BF}"/>
-              </a:ext>
-            </a:extLst>
-          </p:cNvPr>
-          <p:cNvSpPr>
-            <a:spLocks noGrp="1"/>
-          </p:cNvSpPr>
-          <p:nvPr>
-            <p:ph type="sldNum" sz="quarter" idx="10"/>
-          </p:nvPr>
-        </p:nvSpPr>
-        <p:spPr/>
-        <p:txBody>
-          <a:bodyPr/>
-          <a:lstStyle/>
-          <a:p>
-            <a:pPr rtl="0"/>
-            <a:fld id="{D495E168-DA5E-4888-8D8A-92B118324C14}" type="slidenum">
-              <a:rPr lang="en-GB" noProof="0" smtClean="0">
-                <a:solidFill>
-                  <a:schemeClr val="tx1"/>
-                </a:solidFill>
-              </a:rPr>
-              <a:pPr rtl="0"/>
-              <a:t>9</a:t>
-            </a:fld>
-            <a:endParaRPr lang="en-GB" noProof="0" dirty="0">
-              <a:solidFill>
-                <a:schemeClr val="tx1"/>
-              </a:solidFill>
-            </a:endParaRPr>
-          </a:p>
-        </p:txBody>
-      </p:sp>
-      <p:sp>
-        <p:nvSpPr>
-          <p:cNvPr id="6" name="Title 4">
-            <a:extLst>
-              <a:ext uri="{FF2B5EF4-FFF2-40B4-BE49-F238E27FC236}">
-                <a16:creationId xmlns:a16="http://schemas.microsoft.com/office/drawing/2014/main" id="{DED289BB-E164-44AF-867C-3E354B3DB408}"/>
-              </a:ext>
-            </a:extLst>
-          </p:cNvPr>
-          <p:cNvSpPr>
-            <a:spLocks noGrp="1"/>
-          </p:cNvSpPr>
-          <p:nvPr>
-            <p:ph type="title"/>
-          </p:nvPr>
-        </p:nvSpPr>
-        <p:spPr>
-          <a:xfrm>
-            <a:off x="350455" y="333180"/>
-            <a:ext cx="5056083" cy="782638"/>
-          </a:xfrm>
-        </p:spPr>
-        <p:txBody>
-          <a:bodyPr>
-            <a:normAutofit/>
-          </a:bodyPr>
-          <a:lstStyle/>
-          <a:p>
-            <a:pPr algn="l"/>
-            <a:r>
-              <a:rPr lang="en-US" dirty="0"/>
-              <a:t>Usages</a:t>
-            </a:r>
-          </a:p>
-        </p:txBody>
-      </p:sp>
-      <p:sp>
-        <p:nvSpPr>
-          <p:cNvPr id="7" name="Rectangle 6">
-            <a:extLst>
-              <a:ext uri="{FF2B5EF4-FFF2-40B4-BE49-F238E27FC236}">
-                <a16:creationId xmlns:a16="http://schemas.microsoft.com/office/drawing/2014/main" id="{9009F682-6556-405B-890E-E6D6E88072B4}"/>
-              </a:ext>
-            </a:extLst>
-          </p:cNvPr>
-          <p:cNvSpPr/>
-          <p:nvPr/>
-        </p:nvSpPr>
-        <p:spPr>
-          <a:xfrm>
-            <a:off x="1669002" y="1536174"/>
-            <a:ext cx="9188388" cy="6051913"/>
-          </a:xfrm>
-          <a:prstGeom prst="rect">
-            <a:avLst/>
-          </a:prstGeom>
-        </p:spPr>
-        <p:txBody>
-          <a:bodyPr vert="horz" lIns="91440" tIns="45720" rIns="91440" bIns="45720" rtlCol="0">
-            <a:normAutofit/>
-          </a:bodyPr>
-          <a:lstStyle/>
-          <a:p>
-            <a:pPr>
-              <a:lnSpc>
-                <a:spcPct val="90000"/>
-              </a:lnSpc>
-              <a:spcBef>
-                <a:spcPts val="1000"/>
-              </a:spcBef>
-            </a:pPr>
-            <a:r>
-              <a:rPr lang="en-US" sz="3200" dirty="0">
-                <a:solidFill>
-                  <a:schemeClr val="tx2"/>
-                </a:solidFill>
-                <a:latin typeface="Calibri" panose="020F0502020204030204" pitchFamily="34" charset="0"/>
-                <a:cs typeface="Calibri" panose="020F0502020204030204" pitchFamily="34" charset="0"/>
-              </a:rPr>
-              <a:t>Could be used in social media platforms like WhatsApp and Facebook where fake news is notoriously rampant.</a:t>
-            </a:r>
-          </a:p>
-          <a:p>
-            <a:pPr>
-              <a:lnSpc>
-                <a:spcPct val="90000"/>
-              </a:lnSpc>
-              <a:spcBef>
-                <a:spcPts val="1000"/>
-              </a:spcBef>
-            </a:pPr>
-            <a:endParaRPr lang="en-US" sz="3200" dirty="0">
-              <a:solidFill>
-                <a:schemeClr val="tx2"/>
-              </a:solidFill>
-              <a:latin typeface="Calibri" panose="020F0502020204030204" pitchFamily="34" charset="0"/>
-              <a:cs typeface="Calibri" panose="020F0502020204030204" pitchFamily="34" charset="0"/>
-            </a:endParaRPr>
-          </a:p>
-          <a:p>
-            <a:pPr>
-              <a:lnSpc>
-                <a:spcPct val="90000"/>
-              </a:lnSpc>
-              <a:spcBef>
-                <a:spcPts val="1000"/>
-              </a:spcBef>
-            </a:pPr>
-            <a:r>
-              <a:rPr lang="en-US" sz="3200" dirty="0">
-                <a:solidFill>
-                  <a:schemeClr val="tx2"/>
-                </a:solidFill>
-                <a:latin typeface="Calibri" panose="020F0502020204030204" pitchFamily="34" charset="0"/>
-                <a:cs typeface="Calibri" panose="020F0502020204030204" pitchFamily="34" charset="0"/>
-              </a:rPr>
-              <a:t>Help news website understand how fake articles could be eliminated through validation .</a:t>
-            </a:r>
-          </a:p>
-          <a:p>
-            <a:pPr>
-              <a:lnSpc>
-                <a:spcPct val="90000"/>
-              </a:lnSpc>
-              <a:spcBef>
-                <a:spcPts val="1000"/>
-              </a:spcBef>
-            </a:pPr>
-            <a:endParaRPr lang="en-US" sz="3200" dirty="0">
-              <a:solidFill>
-                <a:schemeClr val="tx2"/>
-              </a:solidFill>
-              <a:latin typeface="Calibri" panose="020F0502020204030204" pitchFamily="34" charset="0"/>
-              <a:cs typeface="Calibri" panose="020F0502020204030204" pitchFamily="34" charset="0"/>
-            </a:endParaRPr>
-          </a:p>
-          <a:p>
-            <a:pPr>
-              <a:lnSpc>
-                <a:spcPct val="90000"/>
-              </a:lnSpc>
-              <a:spcBef>
-                <a:spcPts val="1000"/>
-              </a:spcBef>
-            </a:pPr>
-            <a:r>
-              <a:rPr lang="en-US" sz="3200" dirty="0">
-                <a:solidFill>
-                  <a:schemeClr val="tx2"/>
-                </a:solidFill>
-                <a:latin typeface="Calibri" panose="020F0502020204030204" pitchFamily="34" charset="0"/>
-                <a:cs typeface="Calibri" panose="020F0502020204030204" pitchFamily="34" charset="0"/>
-              </a:rPr>
-              <a:t>Act as guide points for individuals to check news reliability.</a:t>
-            </a:r>
-          </a:p>
-          <a:p>
-            <a:pPr>
-              <a:lnSpc>
-                <a:spcPct val="90000"/>
-              </a:lnSpc>
-              <a:spcBef>
-                <a:spcPts val="1000"/>
-              </a:spcBef>
-            </a:pPr>
-            <a:endParaRPr lang="en-US" sz="3200" dirty="0">
-              <a:solidFill>
-                <a:schemeClr val="tx2"/>
-              </a:solidFill>
-              <a:latin typeface="Calibri" panose="020F0502020204030204" pitchFamily="34" charset="0"/>
-              <a:cs typeface="Calibri" panose="020F0502020204030204" pitchFamily="34" charset="0"/>
-            </a:endParaRPr>
-          </a:p>
-        </p:txBody>
-      </p:sp>
-    </p:spTree>
-    <p:extLst>
-      <p:ext uri="{BB962C8B-B14F-4D97-AF65-F5344CB8AC3E}">
-        <p14:creationId xmlns:p14="http://schemas.microsoft.com/office/powerpoint/2010/main" val="2453042807"/>
       </p:ext>
     </p:extLst>
   </p:cSld>
